--- a/images2/Usecase.pptx
+++ b/images2/Usecase.pptx
@@ -243,7 +243,7 @@
           <a:p>
             <a:fld id="{04689A5A-94D1-7E45-B099-E10FE018B022}" type="datetimeFigureOut">
               <a:rPr lang="en-US" smtClean="0"/>
-              <a:t>11/5/17</a:t>
+              <a:t>11/7/17</a:t>
             </a:fld>
             <a:endParaRPr lang="en-US"/>
           </a:p>
@@ -413,7 +413,7 @@
           <a:p>
             <a:fld id="{04689A5A-94D1-7E45-B099-E10FE018B022}" type="datetimeFigureOut">
               <a:rPr lang="en-US" smtClean="0"/>
-              <a:t>11/5/17</a:t>
+              <a:t>11/7/17</a:t>
             </a:fld>
             <a:endParaRPr lang="en-US"/>
           </a:p>
@@ -593,7 +593,7 @@
           <a:p>
             <a:fld id="{04689A5A-94D1-7E45-B099-E10FE018B022}" type="datetimeFigureOut">
               <a:rPr lang="en-US" smtClean="0"/>
-              <a:t>11/5/17</a:t>
+              <a:t>11/7/17</a:t>
             </a:fld>
             <a:endParaRPr lang="en-US"/>
           </a:p>
@@ -763,7 +763,7 @@
           <a:p>
             <a:fld id="{04689A5A-94D1-7E45-B099-E10FE018B022}" type="datetimeFigureOut">
               <a:rPr lang="en-US" smtClean="0"/>
-              <a:t>11/5/17</a:t>
+              <a:t>11/7/17</a:t>
             </a:fld>
             <a:endParaRPr lang="en-US"/>
           </a:p>
@@ -1009,7 +1009,7 @@
           <a:p>
             <a:fld id="{04689A5A-94D1-7E45-B099-E10FE018B022}" type="datetimeFigureOut">
               <a:rPr lang="en-US" smtClean="0"/>
-              <a:t>11/5/17</a:t>
+              <a:t>11/7/17</a:t>
             </a:fld>
             <a:endParaRPr lang="en-US"/>
           </a:p>
@@ -1241,7 +1241,7 @@
           <a:p>
             <a:fld id="{04689A5A-94D1-7E45-B099-E10FE018B022}" type="datetimeFigureOut">
               <a:rPr lang="en-US" smtClean="0"/>
-              <a:t>11/5/17</a:t>
+              <a:t>11/7/17</a:t>
             </a:fld>
             <a:endParaRPr lang="en-US"/>
           </a:p>
@@ -1608,7 +1608,7 @@
           <a:p>
             <a:fld id="{04689A5A-94D1-7E45-B099-E10FE018B022}" type="datetimeFigureOut">
               <a:rPr lang="en-US" smtClean="0"/>
-              <a:t>11/5/17</a:t>
+              <a:t>11/7/17</a:t>
             </a:fld>
             <a:endParaRPr lang="en-US"/>
           </a:p>
@@ -1726,7 +1726,7 @@
           <a:p>
             <a:fld id="{04689A5A-94D1-7E45-B099-E10FE018B022}" type="datetimeFigureOut">
               <a:rPr lang="en-US" smtClean="0"/>
-              <a:t>11/5/17</a:t>
+              <a:t>11/7/17</a:t>
             </a:fld>
             <a:endParaRPr lang="en-US"/>
           </a:p>
@@ -1821,7 +1821,7 @@
           <a:p>
             <a:fld id="{04689A5A-94D1-7E45-B099-E10FE018B022}" type="datetimeFigureOut">
               <a:rPr lang="en-US" smtClean="0"/>
-              <a:t>11/5/17</a:t>
+              <a:t>11/7/17</a:t>
             </a:fld>
             <a:endParaRPr lang="en-US"/>
           </a:p>
@@ -2098,7 +2098,7 @@
           <a:p>
             <a:fld id="{04689A5A-94D1-7E45-B099-E10FE018B022}" type="datetimeFigureOut">
               <a:rPr lang="en-US" smtClean="0"/>
-              <a:t>11/5/17</a:t>
+              <a:t>11/7/17</a:t>
             </a:fld>
             <a:endParaRPr lang="en-US"/>
           </a:p>
@@ -2351,7 +2351,7 @@
           <a:p>
             <a:fld id="{04689A5A-94D1-7E45-B099-E10FE018B022}" type="datetimeFigureOut">
               <a:rPr lang="en-US" smtClean="0"/>
-              <a:t>11/5/17</a:t>
+              <a:t>11/7/17</a:t>
             </a:fld>
             <a:endParaRPr lang="en-US"/>
           </a:p>
@@ -2564,7 +2564,7 @@
           <a:p>
             <a:fld id="{04689A5A-94D1-7E45-B099-E10FE018B022}" type="datetimeFigureOut">
               <a:rPr lang="en-US" smtClean="0"/>
-              <a:t>11/5/17</a:t>
+              <a:t>11/7/17</a:t>
             </a:fld>
             <a:endParaRPr lang="en-US"/>
           </a:p>
@@ -3098,13 +3098,13 @@
         <p:spPr>
           <a:xfrm>
             <a:off x="479982" y="26773"/>
-            <a:ext cx="6270680" cy="6279824"/>
+            <a:ext cx="6279824" cy="6279824"/>
           </a:xfrm>
           <a:prstGeom prst="rect">
             <a:avLst/>
           </a:prstGeom>
           <a:noFill/>
-          <a:ln w="28575">
+          <a:ln w="38100">
             <a:solidFill>
               <a:schemeClr val="tx1"/>
             </a:solidFill>
@@ -3283,7 +3283,7 @@
         </p:nvCxnSpPr>
         <p:spPr>
           <a:xfrm>
-            <a:off x="1264684" y="2368296"/>
+            <a:off x="1264684" y="2377440"/>
             <a:ext cx="2364354" cy="0"/>
           </a:xfrm>
           <a:prstGeom prst="line">
@@ -3388,7 +3388,7 @@
         </p:nvCxnSpPr>
         <p:spPr>
           <a:xfrm>
-            <a:off x="3601606" y="3960670"/>
+            <a:off x="3610750" y="3960670"/>
             <a:ext cx="2354658" cy="0"/>
           </a:xfrm>
           <a:prstGeom prst="line">
@@ -3423,7 +3423,7 @@
         </p:nvCxnSpPr>
         <p:spPr>
           <a:xfrm>
-            <a:off x="5956264" y="3164483"/>
+            <a:off x="5965408" y="3164483"/>
             <a:ext cx="9144" cy="2341523"/>
           </a:xfrm>
           <a:prstGeom prst="line">
@@ -3493,7 +3493,7 @@
         </p:nvCxnSpPr>
         <p:spPr>
           <a:xfrm>
-            <a:off x="4395451" y="3960670"/>
+            <a:off x="4395451" y="3951526"/>
             <a:ext cx="0" cy="2341523"/>
           </a:xfrm>
           <a:prstGeom prst="line">
@@ -3562,9 +3562,9 @@
           <p:nvPr/>
         </p:nvCxnSpPr>
         <p:spPr>
-          <a:xfrm>
-            <a:off x="3592462" y="819657"/>
-            <a:ext cx="2354658" cy="0"/>
+          <a:xfrm flipV="1">
+            <a:off x="4395451" y="809855"/>
+            <a:ext cx="0" cy="2353969"/>
           </a:xfrm>
           <a:prstGeom prst="line">
             <a:avLst/>
@@ -3633,7 +3633,7 @@
         </p:nvCxnSpPr>
         <p:spPr>
           <a:xfrm>
-            <a:off x="3629038" y="2364993"/>
+            <a:off x="3610750" y="819657"/>
             <a:ext cx="2327226" cy="0"/>
           </a:xfrm>
           <a:prstGeom prst="line">
@@ -3663,15 +3663,13 @@
       <p:cxnSp>
         <p:nvCxnSpPr>
           <p:cNvPr id="56" name="Straight Connector 55"/>
-          <p:cNvCxnSpPr>
-            <a:stCxn id="7" idx="1"/>
-          </p:cNvCxnSpPr>
+          <p:cNvCxnSpPr/>
           <p:nvPr/>
         </p:nvCxnSpPr>
         <p:spPr>
-          <a:xfrm flipV="1">
-            <a:off x="3610750" y="1589023"/>
-            <a:ext cx="3139912" cy="7706"/>
+          <a:xfrm>
+            <a:off x="5180706" y="804013"/>
+            <a:ext cx="3942" cy="2341523"/>
           </a:xfrm>
           <a:prstGeom prst="line">
             <a:avLst/>
@@ -3704,9 +3702,9 @@
           <p:nvPr/>
         </p:nvCxnSpPr>
         <p:spPr>
-          <a:xfrm flipH="1" flipV="1">
-            <a:off x="1273828" y="3166685"/>
-            <a:ext cx="18841" cy="2337457"/>
+          <a:xfrm>
+            <a:off x="479982" y="3960670"/>
+            <a:ext cx="2354658" cy="0"/>
           </a:xfrm>
           <a:prstGeom prst="line">
             <a:avLst/>
@@ -3775,8 +3773,8 @@
         </p:nvCxnSpPr>
         <p:spPr>
           <a:xfrm flipV="1">
-            <a:off x="497640" y="5504142"/>
-            <a:ext cx="3131398" cy="2201"/>
+            <a:off x="497640" y="5506005"/>
+            <a:ext cx="3131398" cy="339"/>
           </a:xfrm>
           <a:prstGeom prst="line">
             <a:avLst/>
@@ -3806,14 +3804,86 @@
         <p:nvCxnSpPr>
           <p:cNvPr id="65" name="Straight Connector 64"/>
           <p:cNvCxnSpPr>
-            <a:endCxn id="8" idx="0"/>
+            <a:endCxn id="8" idx="1"/>
           </p:cNvCxnSpPr>
           <p:nvPr/>
         </p:nvCxnSpPr>
         <p:spPr>
-          <a:xfrm flipH="1" flipV="1">
-            <a:off x="2049938" y="3166685"/>
-            <a:ext cx="18287" cy="3131532"/>
+          <a:xfrm flipH="1">
+            <a:off x="479982" y="4736592"/>
+            <a:ext cx="2354658" cy="49"/>
+          </a:xfrm>
+          <a:prstGeom prst="line">
+            <a:avLst/>
+          </a:prstGeom>
+          <a:ln w="19050">
+            <a:solidFill>
+              <a:schemeClr val="tx1"/>
+            </a:solidFill>
+          </a:ln>
+        </p:spPr>
+        <p:style>
+          <a:lnRef idx="1">
+            <a:schemeClr val="accent1"/>
+          </a:lnRef>
+          <a:fillRef idx="0">
+            <a:schemeClr val="accent1"/>
+          </a:fillRef>
+          <a:effectRef idx="0">
+            <a:schemeClr val="accent1"/>
+          </a:effectRef>
+          <a:fontRef idx="minor">
+            <a:schemeClr val="tx1"/>
+          </a:fontRef>
+        </p:style>
+      </p:cxnSp>
+      <p:cxnSp>
+        <p:nvCxnSpPr>
+          <p:cNvPr id="38" name="Straight Connector 37"/>
+          <p:cNvCxnSpPr/>
+          <p:nvPr/>
+        </p:nvCxnSpPr>
+        <p:spPr>
+          <a:xfrm>
+            <a:off x="5947120" y="1596729"/>
+            <a:ext cx="812686" cy="0"/>
+          </a:xfrm>
+          <a:prstGeom prst="line">
+            <a:avLst/>
+          </a:prstGeom>
+          <a:ln w="19050">
+            <a:solidFill>
+              <a:schemeClr val="tx1"/>
+            </a:solidFill>
+          </a:ln>
+        </p:spPr>
+        <p:style>
+          <a:lnRef idx="1">
+            <a:schemeClr val="accent1"/>
+          </a:lnRef>
+          <a:fillRef idx="0">
+            <a:schemeClr val="accent1"/>
+          </a:fillRef>
+          <a:effectRef idx="0">
+            <a:schemeClr val="accent1"/>
+          </a:effectRef>
+          <a:fontRef idx="minor">
+            <a:schemeClr val="tx1"/>
+          </a:fontRef>
+        </p:style>
+      </p:cxnSp>
+      <p:cxnSp>
+        <p:nvCxnSpPr>
+          <p:cNvPr id="41" name="Straight Connector 40"/>
+          <p:cNvCxnSpPr>
+            <a:endCxn id="8" idx="2"/>
+          </p:cNvCxnSpPr>
+          <p:nvPr/>
+        </p:nvCxnSpPr>
+        <p:spPr>
+          <a:xfrm>
+            <a:off x="2039112" y="5506005"/>
+            <a:ext cx="10826" cy="800592"/>
           </a:xfrm>
           <a:prstGeom prst="line">
             <a:avLst/>
@@ -3849,6 +3919,13 @@
   <p:clrMapOvr>
     <a:masterClrMapping/>
   </p:clrMapOvr>
+  <p:timing>
+    <p:tnLst>
+      <p:par>
+        <p:cTn id="1" dur="indefinite" restart="never" nodeType="tmRoot"/>
+      </p:par>
+    </p:tnLst>
+  </p:timing>
 </p:sld>
 </file>
 
